--- a/assets/images/jay-lab-logo.pptx
+++ b/assets/images/jay-lab-logo.pptx
@@ -11,6 +11,8 @@
     <p:sldId id="259" r:id="rId5"/>
     <p:sldId id="260" r:id="rId6"/>
     <p:sldId id="261" r:id="rId7"/>
+    <p:sldId id="262" r:id="rId8"/>
+    <p:sldId id="263" r:id="rId9"/>
   </p:sldIdLst>
   <p:sldSz cx="12192000" cy="6858000"/>
   <p:notesSz cx="6858000" cy="9144000"/>
@@ -109,6 +111,11 @@
       </a:defRPr>
     </a:lvl9pPr>
   </p:defaultTextStyle>
+  <p:extLst>
+    <p:ext uri="{EFAFB233-063F-42B5-8137-9DF3F51BA10A}">
+      <p15:sldGuideLst xmlns:p15="http://schemas.microsoft.com/office/powerpoint/2012/main"/>
+    </p:ext>
+  </p:extLst>
 </p:presentation>
 </file>
 
@@ -4398,6 +4405,355 @@
 </p:sld>
 </file>
 
+<file path=ppt/slides/slide7.xml><?xml version="1.0" encoding="utf-8"?>
+<p:sld xmlns:a="http://schemas.openxmlformats.org/drawingml/2006/main" xmlns:r="http://schemas.openxmlformats.org/officeDocument/2006/relationships" xmlns:p="http://schemas.openxmlformats.org/presentationml/2006/main">
+  <p:cSld>
+    <p:spTree>
+      <p:nvGrpSpPr>
+        <p:cNvPr id="1" name=""/>
+        <p:cNvGrpSpPr/>
+        <p:nvPr/>
+      </p:nvGrpSpPr>
+      <p:grpSpPr>
+        <a:xfrm>
+          <a:off x="0" y="0"/>
+          <a:ext cx="0" cy="0"/>
+          <a:chOff x="0" y="0"/>
+          <a:chExt cx="0" cy="0"/>
+        </a:xfrm>
+      </p:grpSpPr>
+      <p:sp>
+        <p:nvSpPr>
+          <p:cNvPr id="15" name="직사각형 14">
+            <a:extLst>
+              <a:ext uri="{FF2B5EF4-FFF2-40B4-BE49-F238E27FC236}">
+                <a16:creationId xmlns:a16="http://schemas.microsoft.com/office/drawing/2014/main" id="{DBA332E0-BB2A-7848-8729-38107E16BEF4}"/>
+              </a:ext>
+            </a:extLst>
+          </p:cNvPr>
+          <p:cNvSpPr/>
+          <p:nvPr/>
+        </p:nvSpPr>
+        <p:spPr>
+          <a:xfrm>
+            <a:off x="3009256" y="645160"/>
+            <a:ext cx="5184000" cy="5184000"/>
+          </a:xfrm>
+          <a:prstGeom prst="rect">
+            <a:avLst/>
+          </a:prstGeom>
+          <a:solidFill>
+            <a:srgbClr val="414C43"/>
+          </a:solidFill>
+          <a:ln>
+            <a:noFill/>
+          </a:ln>
+        </p:spPr>
+        <p:style>
+          <a:lnRef idx="2">
+            <a:schemeClr val="accent1">
+              <a:shade val="50000"/>
+            </a:schemeClr>
+          </a:lnRef>
+          <a:fillRef idx="1">
+            <a:schemeClr val="accent1"/>
+          </a:fillRef>
+          <a:effectRef idx="0">
+            <a:schemeClr val="accent1"/>
+          </a:effectRef>
+          <a:fontRef idx="minor">
+            <a:schemeClr val="lt1"/>
+          </a:fontRef>
+        </p:style>
+        <p:txBody>
+          <a:bodyPr rtlCol="0" anchor="ctr"/>
+          <a:lstStyle/>
+          <a:p>
+            <a:pPr algn="ctr"/>
+            <a:endParaRPr kumimoji="1" lang="ko-Kore-KR" altLang="en-US">
+              <a:ln>
+                <a:solidFill>
+                  <a:sysClr val="windowText" lastClr="000000"/>
+                </a:solidFill>
+              </a:ln>
+            </a:endParaRPr>
+          </a:p>
+        </p:txBody>
+      </p:sp>
+      <p:sp>
+        <p:nvSpPr>
+          <p:cNvPr id="18" name="TextBox 17">
+            <a:extLst>
+              <a:ext uri="{FF2B5EF4-FFF2-40B4-BE49-F238E27FC236}">
+                <a16:creationId xmlns:a16="http://schemas.microsoft.com/office/drawing/2014/main" id="{428845E8-BBDA-474E-91AE-CCD2A09A630A}"/>
+              </a:ext>
+            </a:extLst>
+          </p:cNvPr>
+          <p:cNvSpPr txBox="1"/>
+          <p:nvPr/>
+        </p:nvSpPr>
+        <p:spPr>
+          <a:xfrm>
+            <a:off x="4327249" y="3953564"/>
+            <a:ext cx="2862086" cy="1015663"/>
+          </a:xfrm>
+          <a:prstGeom prst="rect">
+            <a:avLst/>
+          </a:prstGeom>
+          <a:noFill/>
+        </p:spPr>
+        <p:txBody>
+          <a:bodyPr wrap="square" rtlCol="0">
+            <a:spAutoFit/>
+          </a:bodyPr>
+          <a:lstStyle/>
+          <a:p>
+            <a:r>
+              <a:rPr kumimoji="1" lang="en-US" altLang="ko-Kore-KR" sz="6000" b="1" dirty="0">
+                <a:solidFill>
+                  <a:schemeClr val="bg1"/>
+                </a:solidFill>
+                <a:ea typeface="Dotum" panose="020B0600000101010101" pitchFamily="34" charset="-127"/>
+                <a:cs typeface="Arial Black" panose="020B0604020202020204" pitchFamily="34" charset="0"/>
+              </a:rPr>
+              <a:t>JAY LAB</a:t>
+            </a:r>
+            <a:endParaRPr kumimoji="1" lang="ko-Kore-KR" altLang="en-US" sz="6000" b="1" dirty="0">
+              <a:solidFill>
+                <a:schemeClr val="bg1"/>
+              </a:solidFill>
+              <a:ea typeface="Dotum" panose="020B0600000101010101" pitchFamily="34" charset="-127"/>
+              <a:cs typeface="Arial Black" panose="020B0604020202020204" pitchFamily="34" charset="0"/>
+            </a:endParaRPr>
+          </a:p>
+        </p:txBody>
+      </p:sp>
+      <p:pic>
+        <p:nvPicPr>
+          <p:cNvPr id="4" name="그림 3" descr="텍스트이(가) 표시된 사진&#10;&#10;자동 생성된 설명">
+            <a:extLst>
+              <a:ext uri="{FF2B5EF4-FFF2-40B4-BE49-F238E27FC236}">
+                <a16:creationId xmlns:a16="http://schemas.microsoft.com/office/drawing/2014/main" id="{22EED7CE-0E5E-3B43-AC23-CE1C616861D8}"/>
+              </a:ext>
+            </a:extLst>
+          </p:cNvPr>
+          <p:cNvPicPr>
+            <a:picLocks noChangeAspect="1"/>
+          </p:cNvPicPr>
+          <p:nvPr/>
+        </p:nvPicPr>
+        <p:blipFill>
+          <a:blip r:embed="rId2">
+            <a:biLevel thresh="25000"/>
+            <a:alphaModFix/>
+            <a:extLst>
+              <a:ext uri="{BEBA8EAE-BF5A-486C-A8C5-ECC9F3942E4B}">
+                <a14:imgProps xmlns:a14="http://schemas.microsoft.com/office/drawing/2010/main">
+                  <a14:imgLayer r:embed="rId3">
+                    <a14:imgEffect>
+                      <a14:artisticCrisscrossEtching/>
+                    </a14:imgEffect>
+                    <a14:imgEffect>
+                      <a14:brightnessContrast bright="40000" contrast="-40000"/>
+                    </a14:imgEffect>
+                  </a14:imgLayer>
+                </a14:imgProps>
+              </a:ext>
+            </a:extLst>
+          </a:blip>
+          <a:stretch>
+            <a:fillRect/>
+          </a:stretch>
+        </p:blipFill>
+        <p:spPr>
+          <a:xfrm>
+            <a:off x="3842878" y="1203621"/>
+            <a:ext cx="3516755" cy="3054959"/>
+          </a:xfrm>
+          <a:prstGeom prst="rect">
+            <a:avLst/>
+          </a:prstGeom>
+        </p:spPr>
+      </p:pic>
+    </p:spTree>
+    <p:extLst>
+      <p:ext uri="{BB962C8B-B14F-4D97-AF65-F5344CB8AC3E}">
+        <p14:creationId xmlns:p14="http://schemas.microsoft.com/office/powerpoint/2010/main" val="2627821477"/>
+      </p:ext>
+    </p:extLst>
+  </p:cSld>
+  <p:clrMapOvr>
+    <a:masterClrMapping/>
+  </p:clrMapOvr>
+</p:sld>
+</file>
+
+<file path=ppt/slides/slide8.xml><?xml version="1.0" encoding="utf-8"?>
+<p:sld xmlns:a="http://schemas.openxmlformats.org/drawingml/2006/main" xmlns:r="http://schemas.openxmlformats.org/officeDocument/2006/relationships" xmlns:p="http://schemas.openxmlformats.org/presentationml/2006/main">
+  <p:cSld>
+    <p:spTree>
+      <p:nvGrpSpPr>
+        <p:cNvPr id="1" name=""/>
+        <p:cNvGrpSpPr/>
+        <p:nvPr/>
+      </p:nvGrpSpPr>
+      <p:grpSpPr>
+        <a:xfrm>
+          <a:off x="0" y="0"/>
+          <a:ext cx="0" cy="0"/>
+          <a:chOff x="0" y="0"/>
+          <a:chExt cx="0" cy="0"/>
+        </a:xfrm>
+      </p:grpSpPr>
+      <p:sp>
+        <p:nvSpPr>
+          <p:cNvPr id="15" name="직사각형 14">
+            <a:extLst>
+              <a:ext uri="{FF2B5EF4-FFF2-40B4-BE49-F238E27FC236}">
+                <a16:creationId xmlns:a16="http://schemas.microsoft.com/office/drawing/2014/main" id="{DBA332E0-BB2A-7848-8729-38107E16BEF4}"/>
+              </a:ext>
+            </a:extLst>
+          </p:cNvPr>
+          <p:cNvSpPr/>
+          <p:nvPr/>
+        </p:nvSpPr>
+        <p:spPr>
+          <a:xfrm>
+            <a:off x="3009256" y="645160"/>
+            <a:ext cx="5184000" cy="5184000"/>
+          </a:xfrm>
+          <a:prstGeom prst="rect">
+            <a:avLst/>
+          </a:prstGeom>
+          <a:solidFill>
+            <a:srgbClr val="414C43"/>
+          </a:solidFill>
+          <a:ln>
+            <a:noFill/>
+          </a:ln>
+        </p:spPr>
+        <p:style>
+          <a:lnRef idx="2">
+            <a:schemeClr val="accent1">
+              <a:shade val="50000"/>
+            </a:schemeClr>
+          </a:lnRef>
+          <a:fillRef idx="1">
+            <a:schemeClr val="accent1"/>
+          </a:fillRef>
+          <a:effectRef idx="0">
+            <a:schemeClr val="accent1"/>
+          </a:effectRef>
+          <a:fontRef idx="minor">
+            <a:schemeClr val="lt1"/>
+          </a:fontRef>
+        </p:style>
+        <p:txBody>
+          <a:bodyPr rtlCol="0" anchor="ctr"/>
+          <a:lstStyle/>
+          <a:p>
+            <a:pPr algn="ctr"/>
+            <a:endParaRPr kumimoji="1" lang="ko-Kore-KR" altLang="en-US">
+              <a:ln>
+                <a:solidFill>
+                  <a:sysClr val="windowText" lastClr="000000"/>
+                </a:solidFill>
+              </a:ln>
+            </a:endParaRPr>
+          </a:p>
+        </p:txBody>
+      </p:sp>
+      <p:pic>
+        <p:nvPicPr>
+          <p:cNvPr id="3" name="그림 2">
+            <a:extLst>
+              <a:ext uri="{FF2B5EF4-FFF2-40B4-BE49-F238E27FC236}">
+                <a16:creationId xmlns:a16="http://schemas.microsoft.com/office/drawing/2014/main" id="{ECB98CC6-0212-B44C-8C5D-31BD79A86936}"/>
+              </a:ext>
+            </a:extLst>
+          </p:cNvPr>
+          <p:cNvPicPr>
+            <a:picLocks noChangeAspect="1"/>
+          </p:cNvPicPr>
+          <p:nvPr/>
+        </p:nvPicPr>
+        <p:blipFill>
+          <a:blip r:embed="rId2"/>
+          <a:stretch>
+            <a:fillRect/>
+          </a:stretch>
+        </p:blipFill>
+        <p:spPr>
+          <a:xfrm>
+            <a:off x="753025" y="-2036599"/>
+            <a:ext cx="9696461" cy="9696461"/>
+          </a:xfrm>
+          <a:prstGeom prst="rect">
+            <a:avLst/>
+          </a:prstGeom>
+        </p:spPr>
+      </p:pic>
+      <p:sp>
+        <p:nvSpPr>
+          <p:cNvPr id="18" name="TextBox 17">
+            <a:extLst>
+              <a:ext uri="{FF2B5EF4-FFF2-40B4-BE49-F238E27FC236}">
+                <a16:creationId xmlns:a16="http://schemas.microsoft.com/office/drawing/2014/main" id="{428845E8-BBDA-474E-91AE-CCD2A09A630A}"/>
+              </a:ext>
+            </a:extLst>
+          </p:cNvPr>
+          <p:cNvSpPr txBox="1"/>
+          <p:nvPr/>
+        </p:nvSpPr>
+        <p:spPr>
+          <a:xfrm>
+            <a:off x="4327249" y="3953564"/>
+            <a:ext cx="2862086" cy="1015663"/>
+          </a:xfrm>
+          <a:prstGeom prst="rect">
+            <a:avLst/>
+          </a:prstGeom>
+          <a:noFill/>
+        </p:spPr>
+        <p:txBody>
+          <a:bodyPr wrap="square" rtlCol="0">
+            <a:spAutoFit/>
+          </a:bodyPr>
+          <a:lstStyle/>
+          <a:p>
+            <a:r>
+              <a:rPr kumimoji="1" lang="en-US" altLang="ko-Kore-KR" sz="6000" b="1" dirty="0">
+                <a:solidFill>
+                  <a:schemeClr val="bg1"/>
+                </a:solidFill>
+                <a:ea typeface="Dotum" panose="020B0600000101010101" pitchFamily="34" charset="-127"/>
+                <a:cs typeface="Arial Black" panose="020B0604020202020204" pitchFamily="34" charset="0"/>
+              </a:rPr>
+              <a:t>JAY LAB</a:t>
+            </a:r>
+            <a:endParaRPr kumimoji="1" lang="ko-Kore-KR" altLang="en-US" sz="6000" b="1" dirty="0">
+              <a:solidFill>
+                <a:schemeClr val="bg1"/>
+              </a:solidFill>
+              <a:ea typeface="Dotum" panose="020B0600000101010101" pitchFamily="34" charset="-127"/>
+              <a:cs typeface="Arial Black" panose="020B0604020202020204" pitchFamily="34" charset="0"/>
+            </a:endParaRPr>
+          </a:p>
+        </p:txBody>
+      </p:sp>
+    </p:spTree>
+    <p:extLst>
+      <p:ext uri="{BB962C8B-B14F-4D97-AF65-F5344CB8AC3E}">
+        <p14:creationId xmlns:p14="http://schemas.microsoft.com/office/powerpoint/2010/main" val="2354250650"/>
+      </p:ext>
+    </p:extLst>
+  </p:cSld>
+  <p:clrMapOvr>
+    <a:masterClrMapping/>
+  </p:clrMapOvr>
+</p:sld>
+</file>
+
 <file path=ppt/theme/theme1.xml><?xml version="1.0" encoding="utf-8"?>
 <a:theme xmlns:a="http://schemas.openxmlformats.org/drawingml/2006/main" name="Office 테마">
   <a:themeElements>

--- a/assets/images/jay-lab-logo.pptx
+++ b/assets/images/jay-lab-logo.pptx
@@ -13,6 +13,9 @@
     <p:sldId id="261" r:id="rId7"/>
     <p:sldId id="262" r:id="rId8"/>
     <p:sldId id="263" r:id="rId9"/>
+    <p:sldId id="264" r:id="rId10"/>
+    <p:sldId id="265" r:id="rId11"/>
+    <p:sldId id="266" r:id="rId12"/>
   </p:sldIdLst>
   <p:sldSz cx="12192000" cy="6858000"/>
   <p:notesSz cx="6858000" cy="9144000"/>
@@ -268,7 +271,7 @@
           <a:p>
             <a:fld id="{B164BA3F-9630-0C4D-A3B1-DC813D0CD8F7}" type="datetimeFigureOut">
               <a:rPr kumimoji="1" lang="ko-Kore-KR" altLang="en-US" smtClean="0"/>
-              <a:t>2022. 10. 3.</a:t>
+              <a:t>2022. 10. 17.</a:t>
             </a:fld>
             <a:endParaRPr kumimoji="1" lang="ko-Kore-KR" altLang="en-US"/>
           </a:p>
@@ -468,7 +471,7 @@
           <a:p>
             <a:fld id="{B164BA3F-9630-0C4D-A3B1-DC813D0CD8F7}" type="datetimeFigureOut">
               <a:rPr kumimoji="1" lang="ko-Kore-KR" altLang="en-US" smtClean="0"/>
-              <a:t>2022. 10. 3.</a:t>
+              <a:t>2022. 10. 17.</a:t>
             </a:fld>
             <a:endParaRPr kumimoji="1" lang="ko-Kore-KR" altLang="en-US"/>
           </a:p>
@@ -678,7 +681,7 @@
           <a:p>
             <a:fld id="{B164BA3F-9630-0C4D-A3B1-DC813D0CD8F7}" type="datetimeFigureOut">
               <a:rPr kumimoji="1" lang="ko-Kore-KR" altLang="en-US" smtClean="0"/>
-              <a:t>2022. 10. 3.</a:t>
+              <a:t>2022. 10. 17.</a:t>
             </a:fld>
             <a:endParaRPr kumimoji="1" lang="ko-Kore-KR" altLang="en-US"/>
           </a:p>
@@ -878,7 +881,7 @@
           <a:p>
             <a:fld id="{B164BA3F-9630-0C4D-A3B1-DC813D0CD8F7}" type="datetimeFigureOut">
               <a:rPr kumimoji="1" lang="ko-Kore-KR" altLang="en-US" smtClean="0"/>
-              <a:t>2022. 10. 3.</a:t>
+              <a:t>2022. 10. 17.</a:t>
             </a:fld>
             <a:endParaRPr kumimoji="1" lang="ko-Kore-KR" altLang="en-US"/>
           </a:p>
@@ -1154,7 +1157,7 @@
           <a:p>
             <a:fld id="{B164BA3F-9630-0C4D-A3B1-DC813D0CD8F7}" type="datetimeFigureOut">
               <a:rPr kumimoji="1" lang="ko-Kore-KR" altLang="en-US" smtClean="0"/>
-              <a:t>2022. 10. 3.</a:t>
+              <a:t>2022. 10. 17.</a:t>
             </a:fld>
             <a:endParaRPr kumimoji="1" lang="ko-Kore-KR" altLang="en-US"/>
           </a:p>
@@ -1422,7 +1425,7 @@
           <a:p>
             <a:fld id="{B164BA3F-9630-0C4D-A3B1-DC813D0CD8F7}" type="datetimeFigureOut">
               <a:rPr kumimoji="1" lang="ko-Kore-KR" altLang="en-US" smtClean="0"/>
-              <a:t>2022. 10. 3.</a:t>
+              <a:t>2022. 10. 17.</a:t>
             </a:fld>
             <a:endParaRPr kumimoji="1" lang="ko-Kore-KR" altLang="en-US"/>
           </a:p>
@@ -1837,7 +1840,7 @@
           <a:p>
             <a:fld id="{B164BA3F-9630-0C4D-A3B1-DC813D0CD8F7}" type="datetimeFigureOut">
               <a:rPr kumimoji="1" lang="ko-Kore-KR" altLang="en-US" smtClean="0"/>
-              <a:t>2022. 10. 3.</a:t>
+              <a:t>2022. 10. 17.</a:t>
             </a:fld>
             <a:endParaRPr kumimoji="1" lang="ko-Kore-KR" altLang="en-US"/>
           </a:p>
@@ -1979,7 +1982,7 @@
           <a:p>
             <a:fld id="{B164BA3F-9630-0C4D-A3B1-DC813D0CD8F7}" type="datetimeFigureOut">
               <a:rPr kumimoji="1" lang="ko-Kore-KR" altLang="en-US" smtClean="0"/>
-              <a:t>2022. 10. 3.</a:t>
+              <a:t>2022. 10. 17.</a:t>
             </a:fld>
             <a:endParaRPr kumimoji="1" lang="ko-Kore-KR" altLang="en-US"/>
           </a:p>
@@ -2092,7 +2095,7 @@
           <a:p>
             <a:fld id="{B164BA3F-9630-0C4D-A3B1-DC813D0CD8F7}" type="datetimeFigureOut">
               <a:rPr kumimoji="1" lang="ko-Kore-KR" altLang="en-US" smtClean="0"/>
-              <a:t>2022. 10. 3.</a:t>
+              <a:t>2022. 10. 17.</a:t>
             </a:fld>
             <a:endParaRPr kumimoji="1" lang="ko-Kore-KR" altLang="en-US"/>
           </a:p>
@@ -2405,7 +2408,7 @@
           <a:p>
             <a:fld id="{B164BA3F-9630-0C4D-A3B1-DC813D0CD8F7}" type="datetimeFigureOut">
               <a:rPr kumimoji="1" lang="ko-Kore-KR" altLang="en-US" smtClean="0"/>
-              <a:t>2022. 10. 3.</a:t>
+              <a:t>2022. 10. 17.</a:t>
             </a:fld>
             <a:endParaRPr kumimoji="1" lang="ko-Kore-KR" altLang="en-US"/>
           </a:p>
@@ -2694,7 +2697,7 @@
           <a:p>
             <a:fld id="{B164BA3F-9630-0C4D-A3B1-DC813D0CD8F7}" type="datetimeFigureOut">
               <a:rPr kumimoji="1" lang="ko-Kore-KR" altLang="en-US" smtClean="0"/>
-              <a:t>2022. 10. 3.</a:t>
+              <a:t>2022. 10. 17.</a:t>
             </a:fld>
             <a:endParaRPr kumimoji="1" lang="ko-Kore-KR" altLang="en-US"/>
           </a:p>
@@ -2937,7 +2940,7 @@
           <a:p>
             <a:fld id="{B164BA3F-9630-0C4D-A3B1-DC813D0CD8F7}" type="datetimeFigureOut">
               <a:rPr kumimoji="1" lang="ko-Kore-KR" altLang="en-US" smtClean="0"/>
-              <a:t>2022. 10. 3.</a:t>
+              <a:t>2022. 10. 17.</a:t>
             </a:fld>
             <a:endParaRPr kumimoji="1" lang="ko-Kore-KR" altLang="en-US"/>
           </a:p>
@@ -3505,6 +3508,434 @@
 </p:sld>
 </file>
 
+<file path=ppt/slides/slide10.xml><?xml version="1.0" encoding="utf-8"?>
+<p:sld xmlns:a="http://schemas.openxmlformats.org/drawingml/2006/main" xmlns:r="http://schemas.openxmlformats.org/officeDocument/2006/relationships" xmlns:p="http://schemas.openxmlformats.org/presentationml/2006/main">
+  <p:cSld>
+    <p:spTree>
+      <p:nvGrpSpPr>
+        <p:cNvPr id="1" name=""/>
+        <p:cNvGrpSpPr/>
+        <p:nvPr/>
+      </p:nvGrpSpPr>
+      <p:grpSpPr>
+        <a:xfrm>
+          <a:off x="0" y="0"/>
+          <a:ext cx="0" cy="0"/>
+          <a:chOff x="0" y="0"/>
+          <a:chExt cx="0" cy="0"/>
+        </a:xfrm>
+      </p:grpSpPr>
+      <p:sp>
+        <p:nvSpPr>
+          <p:cNvPr id="15" name="직사각형 14">
+            <a:extLst>
+              <a:ext uri="{FF2B5EF4-FFF2-40B4-BE49-F238E27FC236}">
+                <a16:creationId xmlns:a16="http://schemas.microsoft.com/office/drawing/2014/main" id="{DBA332E0-BB2A-7848-8729-38107E16BEF4}"/>
+              </a:ext>
+            </a:extLst>
+          </p:cNvPr>
+          <p:cNvSpPr/>
+          <p:nvPr/>
+        </p:nvSpPr>
+        <p:spPr>
+          <a:xfrm>
+            <a:off x="3009256" y="645160"/>
+            <a:ext cx="5184000" cy="5184000"/>
+          </a:xfrm>
+          <a:prstGeom prst="rect">
+            <a:avLst/>
+          </a:prstGeom>
+          <a:solidFill>
+            <a:srgbClr val="414C43"/>
+          </a:solidFill>
+          <a:ln>
+            <a:noFill/>
+          </a:ln>
+        </p:spPr>
+        <p:style>
+          <a:lnRef idx="2">
+            <a:schemeClr val="accent1">
+              <a:shade val="50000"/>
+            </a:schemeClr>
+          </a:lnRef>
+          <a:fillRef idx="1">
+            <a:schemeClr val="accent1"/>
+          </a:fillRef>
+          <a:effectRef idx="0">
+            <a:schemeClr val="accent1"/>
+          </a:effectRef>
+          <a:fontRef idx="minor">
+            <a:schemeClr val="lt1"/>
+          </a:fontRef>
+        </p:style>
+        <p:txBody>
+          <a:bodyPr rtlCol="0" anchor="ctr"/>
+          <a:lstStyle/>
+          <a:p>
+            <a:pPr algn="ctr"/>
+            <a:endParaRPr kumimoji="1" lang="ko-Kore-KR" altLang="en-US">
+              <a:ln>
+                <a:solidFill>
+                  <a:sysClr val="windowText" lastClr="000000"/>
+                </a:solidFill>
+              </a:ln>
+            </a:endParaRPr>
+          </a:p>
+        </p:txBody>
+      </p:sp>
+      <p:sp>
+        <p:nvSpPr>
+          <p:cNvPr id="18" name="TextBox 17">
+            <a:extLst>
+              <a:ext uri="{FF2B5EF4-FFF2-40B4-BE49-F238E27FC236}">
+                <a16:creationId xmlns:a16="http://schemas.microsoft.com/office/drawing/2014/main" id="{428845E8-BBDA-474E-91AE-CCD2A09A630A}"/>
+              </a:ext>
+            </a:extLst>
+          </p:cNvPr>
+          <p:cNvSpPr txBox="1"/>
+          <p:nvPr/>
+        </p:nvSpPr>
+        <p:spPr>
+          <a:xfrm>
+            <a:off x="4327249" y="3953564"/>
+            <a:ext cx="2862086" cy="1015663"/>
+          </a:xfrm>
+          <a:prstGeom prst="rect">
+            <a:avLst/>
+          </a:prstGeom>
+          <a:noFill/>
+        </p:spPr>
+        <p:txBody>
+          <a:bodyPr wrap="square" rtlCol="0">
+            <a:spAutoFit/>
+          </a:bodyPr>
+          <a:lstStyle/>
+          <a:p>
+            <a:r>
+              <a:rPr kumimoji="1" lang="en-US" altLang="ko-Kore-KR" sz="6000" b="1" dirty="0">
+                <a:solidFill>
+                  <a:schemeClr val="bg1"/>
+                </a:solidFill>
+                <a:ea typeface="Dotum" panose="020B0600000101010101" pitchFamily="34" charset="-127"/>
+                <a:cs typeface="Arial Black" panose="020B0604020202020204" pitchFamily="34" charset="0"/>
+              </a:rPr>
+              <a:t>JAY LAB</a:t>
+            </a:r>
+            <a:endParaRPr kumimoji="1" lang="ko-Kore-KR" altLang="en-US" sz="6000" b="1" dirty="0">
+              <a:solidFill>
+                <a:schemeClr val="bg1"/>
+              </a:solidFill>
+              <a:ea typeface="Dotum" panose="020B0600000101010101" pitchFamily="34" charset="-127"/>
+              <a:cs typeface="Arial Black" panose="020B0604020202020204" pitchFamily="34" charset="0"/>
+            </a:endParaRPr>
+          </a:p>
+        </p:txBody>
+      </p:sp>
+      <p:sp>
+        <p:nvSpPr>
+          <p:cNvPr id="2" name="TextBox 1">
+            <a:extLst>
+              <a:ext uri="{FF2B5EF4-FFF2-40B4-BE49-F238E27FC236}">
+                <a16:creationId xmlns:a16="http://schemas.microsoft.com/office/drawing/2014/main" id="{C6F9CB9F-E168-034A-9187-32A7584D7330}"/>
+              </a:ext>
+            </a:extLst>
+          </p:cNvPr>
+          <p:cNvSpPr txBox="1"/>
+          <p:nvPr/>
+        </p:nvSpPr>
+        <p:spPr>
+          <a:xfrm>
+            <a:off x="3669089" y="1874911"/>
+            <a:ext cx="3864334" cy="2215991"/>
+          </a:xfrm>
+          <a:prstGeom prst="rect">
+            <a:avLst/>
+          </a:prstGeom>
+          <a:noFill/>
+        </p:spPr>
+        <p:txBody>
+          <a:bodyPr wrap="square" rtlCol="0">
+            <a:spAutoFit/>
+          </a:bodyPr>
+          <a:lstStyle/>
+          <a:p>
+            <a:pPr algn="ctr"/>
+            <a:r>
+              <a:rPr kumimoji="1" lang="en-US" altLang="ko-Kore-KR" sz="13800" b="1" dirty="0">
+                <a:solidFill>
+                  <a:schemeClr val="bg1"/>
+                </a:solidFill>
+                <a:latin typeface="Hiragino Kaku Gothic Std W8" panose="020B0800000000000000" pitchFamily="34" charset="-128"/>
+                <a:ea typeface="Hiragino Kaku Gothic Std W8" panose="020B0800000000000000" pitchFamily="34" charset="-128"/>
+                <a:cs typeface="PHOSPHATE SOLID" panose="02000506050000020004" pitchFamily="2" charset="0"/>
+              </a:rPr>
+              <a:t>&lt;/&gt;</a:t>
+            </a:r>
+            <a:endParaRPr kumimoji="1" lang="ko-Kore-KR" altLang="en-US" sz="13800" b="1" dirty="0">
+              <a:solidFill>
+                <a:schemeClr val="bg1"/>
+              </a:solidFill>
+              <a:latin typeface="Hiragino Kaku Gothic Std W8" panose="020B0800000000000000" pitchFamily="34" charset="-128"/>
+              <a:ea typeface="Dotum" panose="020B0600000101010101" pitchFamily="34" charset="-127"/>
+              <a:cs typeface="PHOSPHATE SOLID" panose="02000506050000020004" pitchFamily="2" charset="0"/>
+            </a:endParaRPr>
+          </a:p>
+        </p:txBody>
+      </p:sp>
+    </p:spTree>
+    <p:extLst>
+      <p:ext uri="{BB962C8B-B14F-4D97-AF65-F5344CB8AC3E}">
+        <p14:creationId xmlns:p14="http://schemas.microsoft.com/office/powerpoint/2010/main" val="792105219"/>
+      </p:ext>
+    </p:extLst>
+  </p:cSld>
+  <p:clrMapOvr>
+    <a:masterClrMapping/>
+  </p:clrMapOvr>
+</p:sld>
+</file>
+
+<file path=ppt/slides/slide11.xml><?xml version="1.0" encoding="utf-8"?>
+<p:sld xmlns:a="http://schemas.openxmlformats.org/drawingml/2006/main" xmlns:r="http://schemas.openxmlformats.org/officeDocument/2006/relationships" xmlns:p="http://schemas.openxmlformats.org/presentationml/2006/main">
+  <p:cSld>
+    <p:spTree>
+      <p:nvGrpSpPr>
+        <p:cNvPr id="1" name=""/>
+        <p:cNvGrpSpPr/>
+        <p:nvPr/>
+      </p:nvGrpSpPr>
+      <p:grpSpPr>
+        <a:xfrm>
+          <a:off x="0" y="0"/>
+          <a:ext cx="0" cy="0"/>
+          <a:chOff x="0" y="0"/>
+          <a:chExt cx="0" cy="0"/>
+        </a:xfrm>
+      </p:grpSpPr>
+      <p:sp>
+        <p:nvSpPr>
+          <p:cNvPr id="15" name="직사각형 14">
+            <a:extLst>
+              <a:ext uri="{FF2B5EF4-FFF2-40B4-BE49-F238E27FC236}">
+                <a16:creationId xmlns:a16="http://schemas.microsoft.com/office/drawing/2014/main" id="{DBA332E0-BB2A-7848-8729-38107E16BEF4}"/>
+              </a:ext>
+            </a:extLst>
+          </p:cNvPr>
+          <p:cNvSpPr/>
+          <p:nvPr/>
+        </p:nvSpPr>
+        <p:spPr>
+          <a:xfrm>
+            <a:off x="3009256" y="645160"/>
+            <a:ext cx="5184000" cy="5184000"/>
+          </a:xfrm>
+          <a:prstGeom prst="rect">
+            <a:avLst/>
+          </a:prstGeom>
+          <a:solidFill>
+            <a:srgbClr val="414C43"/>
+          </a:solidFill>
+          <a:ln>
+            <a:noFill/>
+          </a:ln>
+        </p:spPr>
+        <p:style>
+          <a:lnRef idx="2">
+            <a:schemeClr val="accent1">
+              <a:shade val="50000"/>
+            </a:schemeClr>
+          </a:lnRef>
+          <a:fillRef idx="1">
+            <a:schemeClr val="accent1"/>
+          </a:fillRef>
+          <a:effectRef idx="0">
+            <a:schemeClr val="accent1"/>
+          </a:effectRef>
+          <a:fontRef idx="minor">
+            <a:schemeClr val="lt1"/>
+          </a:fontRef>
+        </p:style>
+        <p:txBody>
+          <a:bodyPr rtlCol="0" anchor="ctr"/>
+          <a:lstStyle/>
+          <a:p>
+            <a:pPr algn="ctr"/>
+            <a:endParaRPr kumimoji="1" lang="ko-Kore-KR" altLang="en-US">
+              <a:ln>
+                <a:solidFill>
+                  <a:sysClr val="windowText" lastClr="000000"/>
+                </a:solidFill>
+              </a:ln>
+            </a:endParaRPr>
+          </a:p>
+        </p:txBody>
+      </p:sp>
+      <p:sp>
+        <p:nvSpPr>
+          <p:cNvPr id="18" name="TextBox 17">
+            <a:extLst>
+              <a:ext uri="{FF2B5EF4-FFF2-40B4-BE49-F238E27FC236}">
+                <a16:creationId xmlns:a16="http://schemas.microsoft.com/office/drawing/2014/main" id="{428845E8-BBDA-474E-91AE-CCD2A09A630A}"/>
+              </a:ext>
+            </a:extLst>
+          </p:cNvPr>
+          <p:cNvSpPr txBox="1"/>
+          <p:nvPr/>
+        </p:nvSpPr>
+        <p:spPr>
+          <a:xfrm>
+            <a:off x="4327249" y="3953564"/>
+            <a:ext cx="2862086" cy="1015663"/>
+          </a:xfrm>
+          <a:prstGeom prst="rect">
+            <a:avLst/>
+          </a:prstGeom>
+          <a:noFill/>
+        </p:spPr>
+        <p:txBody>
+          <a:bodyPr wrap="square" rtlCol="0">
+            <a:spAutoFit/>
+          </a:bodyPr>
+          <a:lstStyle/>
+          <a:p>
+            <a:r>
+              <a:rPr kumimoji="1" lang="en-US" altLang="ko-Kore-KR" sz="6000" b="1" dirty="0">
+                <a:solidFill>
+                  <a:schemeClr val="bg1"/>
+                </a:solidFill>
+                <a:ea typeface="Dotum" panose="020B0600000101010101" pitchFamily="34" charset="-127"/>
+                <a:cs typeface="Arial Black" panose="020B0604020202020204" pitchFamily="34" charset="0"/>
+              </a:rPr>
+              <a:t>JAY LAB</a:t>
+            </a:r>
+            <a:endParaRPr kumimoji="1" lang="ko-Kore-KR" altLang="en-US" sz="6000" b="1" dirty="0">
+              <a:solidFill>
+                <a:schemeClr val="bg1"/>
+              </a:solidFill>
+              <a:ea typeface="Dotum" panose="020B0600000101010101" pitchFamily="34" charset="-127"/>
+              <a:cs typeface="Arial Black" panose="020B0604020202020204" pitchFamily="34" charset="0"/>
+            </a:endParaRPr>
+          </a:p>
+        </p:txBody>
+      </p:sp>
+      <p:sp>
+        <p:nvSpPr>
+          <p:cNvPr id="2" name="TextBox 1">
+            <a:extLst>
+              <a:ext uri="{FF2B5EF4-FFF2-40B4-BE49-F238E27FC236}">
+                <a16:creationId xmlns:a16="http://schemas.microsoft.com/office/drawing/2014/main" id="{C6F9CB9F-E168-034A-9187-32A7584D7330}"/>
+              </a:ext>
+            </a:extLst>
+          </p:cNvPr>
+          <p:cNvSpPr txBox="1"/>
+          <p:nvPr/>
+        </p:nvSpPr>
+        <p:spPr>
+          <a:xfrm>
+            <a:off x="3669089" y="1874911"/>
+            <a:ext cx="3864334" cy="2215991"/>
+          </a:xfrm>
+          <a:prstGeom prst="rect">
+            <a:avLst/>
+          </a:prstGeom>
+          <a:noFill/>
+        </p:spPr>
+        <p:txBody>
+          <a:bodyPr wrap="square" rtlCol="0">
+            <a:spAutoFit/>
+          </a:bodyPr>
+          <a:lstStyle/>
+          <a:p>
+            <a:pPr algn="ctr"/>
+            <a:r>
+              <a:rPr kumimoji="1" lang="en-US" altLang="ko-Kore-KR" sz="13800" b="1" dirty="0">
+                <a:solidFill>
+                  <a:schemeClr val="bg1"/>
+                </a:solidFill>
+                <a:latin typeface="Posterama" panose="020B0504020200020000" pitchFamily="34" charset="0"/>
+                <a:ea typeface="Noto Sans Gothic" panose="020B0502040504020204" pitchFamily="34" charset="0"/>
+                <a:cs typeface="Posterama" panose="020B0504020200020000" pitchFamily="34" charset="0"/>
+              </a:rPr>
+              <a:t>&lt; &gt;</a:t>
+            </a:r>
+            <a:endParaRPr kumimoji="1" lang="ko-Kore-KR" altLang="en-US" sz="13800" b="1" dirty="0">
+              <a:solidFill>
+                <a:schemeClr val="bg1"/>
+              </a:solidFill>
+              <a:latin typeface="Posterama" panose="020B0504020200020000" pitchFamily="34" charset="0"/>
+              <a:ea typeface="Microsoft GothicNeo" panose="020B0500000101010101" pitchFamily="34" charset="-127"/>
+              <a:cs typeface="Posterama" panose="020B0504020200020000" pitchFamily="34" charset="0"/>
+            </a:endParaRPr>
+          </a:p>
+        </p:txBody>
+      </p:sp>
+      <p:sp>
+        <p:nvSpPr>
+          <p:cNvPr id="5" name="직사각형 4">
+            <a:extLst>
+              <a:ext uri="{FF2B5EF4-FFF2-40B4-BE49-F238E27FC236}">
+                <a16:creationId xmlns:a16="http://schemas.microsoft.com/office/drawing/2014/main" id="{247B5609-CF1A-B14E-BEAE-0835A61FC89C}"/>
+              </a:ext>
+            </a:extLst>
+          </p:cNvPr>
+          <p:cNvSpPr/>
+          <p:nvPr/>
+        </p:nvSpPr>
+        <p:spPr>
+          <a:xfrm rot="3194261">
+            <a:off x="5462718" y="2347799"/>
+            <a:ext cx="262618" cy="1326590"/>
+          </a:xfrm>
+          <a:prstGeom prst="rect">
+            <a:avLst/>
+          </a:prstGeom>
+          <a:solidFill>
+            <a:schemeClr val="bg1"/>
+          </a:solidFill>
+          <a:ln>
+            <a:solidFill>
+              <a:schemeClr val="bg1"/>
+            </a:solidFill>
+          </a:ln>
+        </p:spPr>
+        <p:style>
+          <a:lnRef idx="2">
+            <a:schemeClr val="accent1">
+              <a:shade val="50000"/>
+            </a:schemeClr>
+          </a:lnRef>
+          <a:fillRef idx="1">
+            <a:schemeClr val="accent1"/>
+          </a:fillRef>
+          <a:effectRef idx="0">
+            <a:schemeClr val="accent1"/>
+          </a:effectRef>
+          <a:fontRef idx="minor">
+            <a:schemeClr val="lt1"/>
+          </a:fontRef>
+        </p:style>
+        <p:txBody>
+          <a:bodyPr rtlCol="0" anchor="ctr"/>
+          <a:lstStyle/>
+          <a:p>
+            <a:pPr algn="ctr"/>
+            <a:endParaRPr kumimoji="1" lang="ko-Kore-KR" altLang="en-US"/>
+          </a:p>
+        </p:txBody>
+      </p:sp>
+    </p:spTree>
+    <p:extLst>
+      <p:ext uri="{BB962C8B-B14F-4D97-AF65-F5344CB8AC3E}">
+        <p14:creationId xmlns:p14="http://schemas.microsoft.com/office/powerpoint/2010/main" val="3338464943"/>
+      </p:ext>
+    </p:extLst>
+  </p:cSld>
+  <p:clrMapOvr>
+    <a:masterClrMapping/>
+  </p:clrMapOvr>
+</p:sld>
+</file>
+
 <file path=ppt/slides/slide2.xml><?xml version="1.0" encoding="utf-8"?>
 <p:sld xmlns:a="http://schemas.openxmlformats.org/drawingml/2006/main" xmlns:r="http://schemas.openxmlformats.org/officeDocument/2006/relationships" xmlns:p="http://schemas.openxmlformats.org/presentationml/2006/main">
   <p:cSld>
@@ -4745,6 +5176,193 @@
     <p:extLst>
       <p:ext uri="{BB962C8B-B14F-4D97-AF65-F5344CB8AC3E}">
         <p14:creationId xmlns:p14="http://schemas.microsoft.com/office/powerpoint/2010/main" val="2354250650"/>
+      </p:ext>
+    </p:extLst>
+  </p:cSld>
+  <p:clrMapOvr>
+    <a:masterClrMapping/>
+  </p:clrMapOvr>
+</p:sld>
+</file>
+
+<file path=ppt/slides/slide9.xml><?xml version="1.0" encoding="utf-8"?>
+<p:sld xmlns:a="http://schemas.openxmlformats.org/drawingml/2006/main" xmlns:r="http://schemas.openxmlformats.org/officeDocument/2006/relationships" xmlns:p="http://schemas.openxmlformats.org/presentationml/2006/main">
+  <p:cSld>
+    <p:spTree>
+      <p:nvGrpSpPr>
+        <p:cNvPr id="1" name=""/>
+        <p:cNvGrpSpPr/>
+        <p:nvPr/>
+      </p:nvGrpSpPr>
+      <p:grpSpPr>
+        <a:xfrm>
+          <a:off x="0" y="0"/>
+          <a:ext cx="0" cy="0"/>
+          <a:chOff x="0" y="0"/>
+          <a:chExt cx="0" cy="0"/>
+        </a:xfrm>
+      </p:grpSpPr>
+      <p:sp>
+        <p:nvSpPr>
+          <p:cNvPr id="15" name="직사각형 14">
+            <a:extLst>
+              <a:ext uri="{FF2B5EF4-FFF2-40B4-BE49-F238E27FC236}">
+                <a16:creationId xmlns:a16="http://schemas.microsoft.com/office/drawing/2014/main" id="{DBA332E0-BB2A-7848-8729-38107E16BEF4}"/>
+              </a:ext>
+            </a:extLst>
+          </p:cNvPr>
+          <p:cNvSpPr/>
+          <p:nvPr/>
+        </p:nvSpPr>
+        <p:spPr>
+          <a:xfrm>
+            <a:off x="3009256" y="645160"/>
+            <a:ext cx="5184000" cy="5184000"/>
+          </a:xfrm>
+          <a:prstGeom prst="rect">
+            <a:avLst/>
+          </a:prstGeom>
+          <a:solidFill>
+            <a:srgbClr val="414C43"/>
+          </a:solidFill>
+          <a:ln>
+            <a:noFill/>
+          </a:ln>
+        </p:spPr>
+        <p:style>
+          <a:lnRef idx="2">
+            <a:schemeClr val="accent1">
+              <a:shade val="50000"/>
+            </a:schemeClr>
+          </a:lnRef>
+          <a:fillRef idx="1">
+            <a:schemeClr val="accent1"/>
+          </a:fillRef>
+          <a:effectRef idx="0">
+            <a:schemeClr val="accent1"/>
+          </a:effectRef>
+          <a:fontRef idx="minor">
+            <a:schemeClr val="lt1"/>
+          </a:fontRef>
+        </p:style>
+        <p:txBody>
+          <a:bodyPr rtlCol="0" anchor="ctr"/>
+          <a:lstStyle/>
+          <a:p>
+            <a:pPr algn="ctr"/>
+            <a:endParaRPr kumimoji="1" lang="ko-Kore-KR" altLang="en-US">
+              <a:ln>
+                <a:solidFill>
+                  <a:sysClr val="windowText" lastClr="000000"/>
+                </a:solidFill>
+              </a:ln>
+            </a:endParaRPr>
+          </a:p>
+        </p:txBody>
+      </p:sp>
+      <p:sp>
+        <p:nvSpPr>
+          <p:cNvPr id="18" name="TextBox 17">
+            <a:extLst>
+              <a:ext uri="{FF2B5EF4-FFF2-40B4-BE49-F238E27FC236}">
+                <a16:creationId xmlns:a16="http://schemas.microsoft.com/office/drawing/2014/main" id="{428845E8-BBDA-474E-91AE-CCD2A09A630A}"/>
+              </a:ext>
+            </a:extLst>
+          </p:cNvPr>
+          <p:cNvSpPr txBox="1"/>
+          <p:nvPr/>
+        </p:nvSpPr>
+        <p:spPr>
+          <a:xfrm>
+            <a:off x="4327249" y="3953564"/>
+            <a:ext cx="2862086" cy="1015663"/>
+          </a:xfrm>
+          <a:prstGeom prst="rect">
+            <a:avLst/>
+          </a:prstGeom>
+          <a:noFill/>
+        </p:spPr>
+        <p:txBody>
+          <a:bodyPr wrap="square" rtlCol="0">
+            <a:spAutoFit/>
+          </a:bodyPr>
+          <a:lstStyle/>
+          <a:p>
+            <a:r>
+              <a:rPr kumimoji="1" lang="en-US" altLang="ko-Kore-KR" sz="6000" b="1" dirty="0">
+                <a:solidFill>
+                  <a:schemeClr val="bg1"/>
+                </a:solidFill>
+                <a:ea typeface="Dotum" panose="020B0600000101010101" pitchFamily="34" charset="-127"/>
+                <a:cs typeface="Arial Black" panose="020B0604020202020204" pitchFamily="34" charset="0"/>
+              </a:rPr>
+              <a:t>JAY LAB</a:t>
+            </a:r>
+            <a:endParaRPr kumimoji="1" lang="ko-Kore-KR" altLang="en-US" sz="6000" b="1" dirty="0">
+              <a:solidFill>
+                <a:schemeClr val="bg1"/>
+              </a:solidFill>
+              <a:ea typeface="Dotum" panose="020B0600000101010101" pitchFamily="34" charset="-127"/>
+              <a:cs typeface="Arial Black" panose="020B0604020202020204" pitchFamily="34" charset="0"/>
+            </a:endParaRPr>
+          </a:p>
+        </p:txBody>
+      </p:sp>
+      <p:sp>
+        <p:nvSpPr>
+          <p:cNvPr id="2" name="TextBox 1">
+            <a:extLst>
+              <a:ext uri="{FF2B5EF4-FFF2-40B4-BE49-F238E27FC236}">
+                <a16:creationId xmlns:a16="http://schemas.microsoft.com/office/drawing/2014/main" id="{C6F9CB9F-E168-034A-9187-32A7584D7330}"/>
+              </a:ext>
+            </a:extLst>
+          </p:cNvPr>
+          <p:cNvSpPr txBox="1"/>
+          <p:nvPr/>
+        </p:nvSpPr>
+        <p:spPr>
+          <a:xfrm>
+            <a:off x="3669089" y="1770192"/>
+            <a:ext cx="3864334" cy="2646878"/>
+          </a:xfrm>
+          <a:prstGeom prst="rect">
+            <a:avLst/>
+          </a:prstGeom>
+          <a:noFill/>
+        </p:spPr>
+        <p:txBody>
+          <a:bodyPr wrap="square" rtlCol="0">
+            <a:spAutoFit/>
+          </a:bodyPr>
+          <a:lstStyle/>
+          <a:p>
+            <a:pPr algn="ctr"/>
+            <a:r>
+              <a:rPr kumimoji="1" lang="en-US" altLang="ko-Kore-KR" sz="16600" b="1" dirty="0">
+                <a:solidFill>
+                  <a:schemeClr val="bg1"/>
+                </a:solidFill>
+                <a:latin typeface="NanumBarunGothicOTF" panose="02020603020101020101" pitchFamily="18" charset="-127"/>
+                <a:ea typeface="NanumBarunGothicOTF" panose="02020603020101020101" pitchFamily="18" charset="-127"/>
+                <a:cs typeface="Calibri" panose="020F0502020204030204" pitchFamily="34" charset="0"/>
+              </a:rPr>
+              <a:t>&lt;/&gt;</a:t>
+            </a:r>
+            <a:endParaRPr kumimoji="1" lang="ko-Kore-KR" altLang="en-US" sz="16600" b="1" dirty="0">
+              <a:solidFill>
+                <a:schemeClr val="bg1"/>
+              </a:solidFill>
+              <a:latin typeface="NanumBarunGothicOTF" panose="02020603020101020101" pitchFamily="18" charset="-127"/>
+              <a:ea typeface="NanumBarunGothicOTF" panose="02020603020101020101" pitchFamily="18" charset="-127"/>
+              <a:cs typeface="Calibri" panose="020F0502020204030204" pitchFamily="34" charset="0"/>
+            </a:endParaRPr>
+          </a:p>
+        </p:txBody>
+      </p:sp>
+    </p:spTree>
+    <p:extLst>
+      <p:ext uri="{BB962C8B-B14F-4D97-AF65-F5344CB8AC3E}">
+        <p14:creationId xmlns:p14="http://schemas.microsoft.com/office/powerpoint/2010/main" val="1561418520"/>
       </p:ext>
     </p:extLst>
   </p:cSld>

--- a/assets/images/jay-lab-logo.pptx
+++ b/assets/images/jay-lab-logo.pptx
@@ -271,7 +271,7 @@
           <a:p>
             <a:fld id="{B164BA3F-9630-0C4D-A3B1-DC813D0CD8F7}" type="datetimeFigureOut">
               <a:rPr kumimoji="1" lang="ko-Kore-KR" altLang="en-US" smtClean="0"/>
-              <a:t>2022. 10. 17.</a:t>
+              <a:t>2022. 10. 27.</a:t>
             </a:fld>
             <a:endParaRPr kumimoji="1" lang="ko-Kore-KR" altLang="en-US"/>
           </a:p>
@@ -471,7 +471,7 @@
           <a:p>
             <a:fld id="{B164BA3F-9630-0C4D-A3B1-DC813D0CD8F7}" type="datetimeFigureOut">
               <a:rPr kumimoji="1" lang="ko-Kore-KR" altLang="en-US" smtClean="0"/>
-              <a:t>2022. 10. 17.</a:t>
+              <a:t>2022. 10. 27.</a:t>
             </a:fld>
             <a:endParaRPr kumimoji="1" lang="ko-Kore-KR" altLang="en-US"/>
           </a:p>
@@ -681,7 +681,7 @@
           <a:p>
             <a:fld id="{B164BA3F-9630-0C4D-A3B1-DC813D0CD8F7}" type="datetimeFigureOut">
               <a:rPr kumimoji="1" lang="ko-Kore-KR" altLang="en-US" smtClean="0"/>
-              <a:t>2022. 10. 17.</a:t>
+              <a:t>2022. 10. 27.</a:t>
             </a:fld>
             <a:endParaRPr kumimoji="1" lang="ko-Kore-KR" altLang="en-US"/>
           </a:p>
@@ -881,7 +881,7 @@
           <a:p>
             <a:fld id="{B164BA3F-9630-0C4D-A3B1-DC813D0CD8F7}" type="datetimeFigureOut">
               <a:rPr kumimoji="1" lang="ko-Kore-KR" altLang="en-US" smtClean="0"/>
-              <a:t>2022. 10. 17.</a:t>
+              <a:t>2022. 10. 27.</a:t>
             </a:fld>
             <a:endParaRPr kumimoji="1" lang="ko-Kore-KR" altLang="en-US"/>
           </a:p>
@@ -1157,7 +1157,7 @@
           <a:p>
             <a:fld id="{B164BA3F-9630-0C4D-A3B1-DC813D0CD8F7}" type="datetimeFigureOut">
               <a:rPr kumimoji="1" lang="ko-Kore-KR" altLang="en-US" smtClean="0"/>
-              <a:t>2022. 10. 17.</a:t>
+              <a:t>2022. 10. 27.</a:t>
             </a:fld>
             <a:endParaRPr kumimoji="1" lang="ko-Kore-KR" altLang="en-US"/>
           </a:p>
@@ -1425,7 +1425,7 @@
           <a:p>
             <a:fld id="{B164BA3F-9630-0C4D-A3B1-DC813D0CD8F7}" type="datetimeFigureOut">
               <a:rPr kumimoji="1" lang="ko-Kore-KR" altLang="en-US" smtClean="0"/>
-              <a:t>2022. 10. 17.</a:t>
+              <a:t>2022. 10. 27.</a:t>
             </a:fld>
             <a:endParaRPr kumimoji="1" lang="ko-Kore-KR" altLang="en-US"/>
           </a:p>
@@ -1840,7 +1840,7 @@
           <a:p>
             <a:fld id="{B164BA3F-9630-0C4D-A3B1-DC813D0CD8F7}" type="datetimeFigureOut">
               <a:rPr kumimoji="1" lang="ko-Kore-KR" altLang="en-US" smtClean="0"/>
-              <a:t>2022. 10. 17.</a:t>
+              <a:t>2022. 10. 27.</a:t>
             </a:fld>
             <a:endParaRPr kumimoji="1" lang="ko-Kore-KR" altLang="en-US"/>
           </a:p>
@@ -1982,7 +1982,7 @@
           <a:p>
             <a:fld id="{B164BA3F-9630-0C4D-A3B1-DC813D0CD8F7}" type="datetimeFigureOut">
               <a:rPr kumimoji="1" lang="ko-Kore-KR" altLang="en-US" smtClean="0"/>
-              <a:t>2022. 10. 17.</a:t>
+              <a:t>2022. 10. 27.</a:t>
             </a:fld>
             <a:endParaRPr kumimoji="1" lang="ko-Kore-KR" altLang="en-US"/>
           </a:p>
@@ -2095,7 +2095,7 @@
           <a:p>
             <a:fld id="{B164BA3F-9630-0C4D-A3B1-DC813D0CD8F7}" type="datetimeFigureOut">
               <a:rPr kumimoji="1" lang="ko-Kore-KR" altLang="en-US" smtClean="0"/>
-              <a:t>2022. 10. 17.</a:t>
+              <a:t>2022. 10. 27.</a:t>
             </a:fld>
             <a:endParaRPr kumimoji="1" lang="ko-Kore-KR" altLang="en-US"/>
           </a:p>
@@ -2408,7 +2408,7 @@
           <a:p>
             <a:fld id="{B164BA3F-9630-0C4D-A3B1-DC813D0CD8F7}" type="datetimeFigureOut">
               <a:rPr kumimoji="1" lang="ko-Kore-KR" altLang="en-US" smtClean="0"/>
-              <a:t>2022. 10. 17.</a:t>
+              <a:t>2022. 10. 27.</a:t>
             </a:fld>
             <a:endParaRPr kumimoji="1" lang="ko-Kore-KR" altLang="en-US"/>
           </a:p>
@@ -2697,7 +2697,7 @@
           <a:p>
             <a:fld id="{B164BA3F-9630-0C4D-A3B1-DC813D0CD8F7}" type="datetimeFigureOut">
               <a:rPr kumimoji="1" lang="ko-Kore-KR" altLang="en-US" smtClean="0"/>
-              <a:t>2022. 10. 17.</a:t>
+              <a:t>2022. 10. 27.</a:t>
             </a:fld>
             <a:endParaRPr kumimoji="1" lang="ko-Kore-KR" altLang="en-US"/>
           </a:p>
@@ -2940,7 +2940,7 @@
           <a:p>
             <a:fld id="{B164BA3F-9630-0C4D-A3B1-DC813D0CD8F7}" type="datetimeFigureOut">
               <a:rPr kumimoji="1" lang="ko-Kore-KR" altLang="en-US" smtClean="0"/>
-              <a:t>2022. 10. 17.</a:t>
+              <a:t>2022. 10. 27.</a:t>
             </a:fld>
             <a:endParaRPr kumimoji="1" lang="ko-Kore-KR" altLang="en-US"/>
           </a:p>
@@ -3871,10 +3871,10 @@
       </p:sp>
       <p:sp>
         <p:nvSpPr>
-          <p:cNvPr id="5" name="직사각형 4">
-            <a:extLst>
-              <a:ext uri="{FF2B5EF4-FFF2-40B4-BE49-F238E27FC236}">
-                <a16:creationId xmlns:a16="http://schemas.microsoft.com/office/drawing/2014/main" id="{247B5609-CF1A-B14E-BEAE-0835A61FC89C}"/>
+          <p:cNvPr id="3" name="모서리가 둥근 직사각형 2">
+            <a:extLst>
+              <a:ext uri="{FF2B5EF4-FFF2-40B4-BE49-F238E27FC236}">
+                <a16:creationId xmlns:a16="http://schemas.microsoft.com/office/drawing/2014/main" id="{EE00447C-5446-C14E-85B0-D2B3456C8397}"/>
               </a:ext>
             </a:extLst>
           </p:cNvPr>
@@ -3882,20 +3882,18 @@
           <p:nvPr/>
         </p:nvSpPr>
         <p:spPr>
-          <a:xfrm rot="3194261">
-            <a:off x="5462718" y="2347799"/>
-            <a:ext cx="262618" cy="1326590"/>
-          </a:xfrm>
-          <a:prstGeom prst="rect">
+          <a:xfrm rot="3121789">
+            <a:off x="5469308" y="2315746"/>
+            <a:ext cx="256408" cy="1385648"/>
+          </a:xfrm>
+          <a:prstGeom prst="roundRect">
             <a:avLst/>
           </a:prstGeom>
           <a:solidFill>
             <a:schemeClr val="bg1"/>
           </a:solidFill>
           <a:ln>
-            <a:solidFill>
-              <a:schemeClr val="bg1"/>
-            </a:solidFill>
+            <a:noFill/>
           </a:ln>
         </p:spPr>
         <p:style>
